--- a/Output/week_8_presentation_final.pptx
+++ b/Output/week_8_presentation_final.pptx
@@ -4637,7 +4637,7 @@
             </a:r>
             <a:r>
               <a:rPr dirty="0"/>
-              <a:t> hierarchical clusters give us?</a:t>
+              <a:t> clusters give us?</a:t>
             </a:r>
           </a:p>
         </p:txBody>
@@ -4804,7 +4804,7 @@
         <p:spPr>
           <a:xfrm>
             <a:off x="338957" y="1650124"/>
-            <a:ext cx="3213537" cy="1477328"/>
+            <a:ext cx="3213537" cy="1754326"/>
           </a:xfrm>
           <a:prstGeom prst="rect">
             <a:avLst/>
@@ -4817,6 +4817,10 @@
           </a:bodyPr>
           <a:lstStyle/>
           <a:p>
+            <a:pPr marL="285750" indent="-285750">
+              <a:buFont typeface="Arial" panose="020B0604020202020204" pitchFamily="34" charset="0"/>
+              <a:buChar char="•"/>
+            </a:pPr>
             <a:r>
               <a:rPr dirty="0"/>
               <a:t>Imports and Exports are highly correlated</a:t>
@@ -4824,9 +4828,23 @@
             <a:endParaRPr lang="en-GB" dirty="0"/>
           </a:p>
           <a:p>
+            <a:pPr marL="285750" indent="-285750">
+              <a:buFont typeface="Arial" panose="020B0604020202020204" pitchFamily="34" charset="0"/>
+              <a:buChar char="•"/>
+            </a:pPr>
             <a:r>
               <a:rPr lang="en-GB" dirty="0"/>
               <a:t>As are fertility, life expectancy and child mortality</a:t>
+            </a:r>
+          </a:p>
+          <a:p>
+            <a:pPr marL="285750" indent="-285750">
+              <a:buFont typeface="Arial" panose="020B0604020202020204" pitchFamily="34" charset="0"/>
+              <a:buChar char="•"/>
+            </a:pPr>
+            <a:r>
+              <a:rPr lang="en-GB" dirty="0"/>
+              <a:t>GDP and income also</a:t>
             </a:r>
             <a:endParaRPr dirty="0"/>
           </a:p>
@@ -4884,8 +4902,8 @@
         </p:blipFill>
         <p:spPr>
           <a:xfrm>
-            <a:off x="487018" y="4524172"/>
-            <a:ext cx="7772400" cy="1940643"/>
+            <a:off x="473188" y="4507915"/>
+            <a:ext cx="7921697" cy="1977920"/>
           </a:xfrm>
           <a:prstGeom prst="rect">
             <a:avLst/>
@@ -5682,7 +5700,7 @@
             </a:r>
             <a:r>
               <a:rPr dirty="0"/>
-              <a:t> hierarchical clusters give us?</a:t>
+              <a:t> clusters give us?</a:t>
             </a:r>
           </a:p>
         </p:txBody>
